--- a/wiki/Architecture.pptx
+++ b/wiki/Architecture.pptx
@@ -1,6 +1,6 @@
 
 <file path=ppt/presentation.xml><?xml version="1.0" encoding="utf-8"?>
-<p:presentation xmlns:a="http://schemas.openxmlformats.org/drawingml/2006/main" xmlns:r="http://schemas.openxmlformats.org/officeDocument/2006/relationships" xmlns:p="http://schemas.openxmlformats.org/presentationml/2006/main" serverZoom="39236" saveSubsetFonts="1">
+<p:presentation xmlns:a="http://schemas.openxmlformats.org/drawingml/2006/main" xmlns:r="http://schemas.openxmlformats.org/officeDocument/2006/relationships" xmlns:p="http://schemas.openxmlformats.org/presentationml/2006/main" saveSubsetFonts="1">
   <p:sldMasterIdLst>
     <p:sldMasterId id="2147483648" r:id="rId1"/>
   </p:sldMasterIdLst>
@@ -13,7 +13,7 @@
     <a:defPPr>
       <a:defRPr lang="de-DE"/>
     </a:defPPr>
-    <a:lvl1pPr marL="0" algn="l" defTabSz="914294" rtl="0" eaLnBrk="1" latinLnBrk="0" hangingPunct="1">
+    <a:lvl1pPr marL="0" algn="l" defTabSz="914400" rtl="0" eaLnBrk="1" latinLnBrk="0" hangingPunct="1">
       <a:defRPr sz="1800" kern="1200">
         <a:solidFill>
           <a:schemeClr val="tx1"/>
@@ -23,7 +23,7 @@
         <a:cs typeface="+mn-cs"/>
       </a:defRPr>
     </a:lvl1pPr>
-    <a:lvl2pPr marL="457147" algn="l" defTabSz="914294" rtl="0" eaLnBrk="1" latinLnBrk="0" hangingPunct="1">
+    <a:lvl2pPr marL="457200" algn="l" defTabSz="914400" rtl="0" eaLnBrk="1" latinLnBrk="0" hangingPunct="1">
       <a:defRPr sz="1800" kern="1200">
         <a:solidFill>
           <a:schemeClr val="tx1"/>
@@ -33,7 +33,7 @@
         <a:cs typeface="+mn-cs"/>
       </a:defRPr>
     </a:lvl2pPr>
-    <a:lvl3pPr marL="914294" algn="l" defTabSz="914294" rtl="0" eaLnBrk="1" latinLnBrk="0" hangingPunct="1">
+    <a:lvl3pPr marL="914400" algn="l" defTabSz="914400" rtl="0" eaLnBrk="1" latinLnBrk="0" hangingPunct="1">
       <a:defRPr sz="1800" kern="1200">
         <a:solidFill>
           <a:schemeClr val="tx1"/>
@@ -43,7 +43,7 @@
         <a:cs typeface="+mn-cs"/>
       </a:defRPr>
     </a:lvl3pPr>
-    <a:lvl4pPr marL="1371441" algn="l" defTabSz="914294" rtl="0" eaLnBrk="1" latinLnBrk="0" hangingPunct="1">
+    <a:lvl4pPr marL="1371600" algn="l" defTabSz="914400" rtl="0" eaLnBrk="1" latinLnBrk="0" hangingPunct="1">
       <a:defRPr sz="1800" kern="1200">
         <a:solidFill>
           <a:schemeClr val="tx1"/>
@@ -53,7 +53,7 @@
         <a:cs typeface="+mn-cs"/>
       </a:defRPr>
     </a:lvl4pPr>
-    <a:lvl5pPr marL="1828588" algn="l" defTabSz="914294" rtl="0" eaLnBrk="1" latinLnBrk="0" hangingPunct="1">
+    <a:lvl5pPr marL="1828800" algn="l" defTabSz="914400" rtl="0" eaLnBrk="1" latinLnBrk="0" hangingPunct="1">
       <a:defRPr sz="1800" kern="1200">
         <a:solidFill>
           <a:schemeClr val="tx1"/>
@@ -63,7 +63,7 @@
         <a:cs typeface="+mn-cs"/>
       </a:defRPr>
     </a:lvl5pPr>
-    <a:lvl6pPr marL="2285735" algn="l" defTabSz="914294" rtl="0" eaLnBrk="1" latinLnBrk="0" hangingPunct="1">
+    <a:lvl6pPr marL="2286000" algn="l" defTabSz="914400" rtl="0" eaLnBrk="1" latinLnBrk="0" hangingPunct="1">
       <a:defRPr sz="1800" kern="1200">
         <a:solidFill>
           <a:schemeClr val="tx1"/>
@@ -73,7 +73,7 @@
         <a:cs typeface="+mn-cs"/>
       </a:defRPr>
     </a:lvl6pPr>
-    <a:lvl7pPr marL="2742882" algn="l" defTabSz="914294" rtl="0" eaLnBrk="1" latinLnBrk="0" hangingPunct="1">
+    <a:lvl7pPr marL="2743200" algn="l" defTabSz="914400" rtl="0" eaLnBrk="1" latinLnBrk="0" hangingPunct="1">
       <a:defRPr sz="1800" kern="1200">
         <a:solidFill>
           <a:schemeClr val="tx1"/>
@@ -83,7 +83,7 @@
         <a:cs typeface="+mn-cs"/>
       </a:defRPr>
     </a:lvl7pPr>
-    <a:lvl8pPr marL="3200030" algn="l" defTabSz="914294" rtl="0" eaLnBrk="1" latinLnBrk="0" hangingPunct="1">
+    <a:lvl8pPr marL="3200400" algn="l" defTabSz="914400" rtl="0" eaLnBrk="1" latinLnBrk="0" hangingPunct="1">
       <a:defRPr sz="1800" kern="1200">
         <a:solidFill>
           <a:schemeClr val="tx1"/>
@@ -93,7 +93,7 @@
         <a:cs typeface="+mn-cs"/>
       </a:defRPr>
     </a:lvl8pPr>
-    <a:lvl9pPr marL="3657177" algn="l" defTabSz="914294" rtl="0" eaLnBrk="1" latinLnBrk="0" hangingPunct="1">
+    <a:lvl9pPr marL="3657600" algn="l" defTabSz="914400" rtl="0" eaLnBrk="1" latinLnBrk="0" hangingPunct="1">
       <a:defRPr sz="1800" kern="1200">
         <a:solidFill>
           <a:schemeClr val="tx1"/>
@@ -136,7 +136,7 @@
         </p:nvSpPr>
         <p:spPr>
           <a:xfrm>
-            <a:off x="685801" y="2130425"/>
+            <a:off x="685800" y="2130425"/>
             <a:ext cx="7772400" cy="1470025"/>
           </a:xfrm>
         </p:spPr>
@@ -165,7 +165,7 @@
         <p:spPr>
           <a:xfrm>
             <a:off x="1371600" y="3886200"/>
-            <a:ext cx="6400801" cy="1752600"/>
+            <a:ext cx="6400800" cy="1752600"/>
           </a:xfrm>
         </p:spPr>
         <p:txBody>
@@ -181,7 +181,7 @@
                 </a:solidFill>
               </a:defRPr>
             </a:lvl1pPr>
-            <a:lvl2pPr marL="457147" indent="0" algn="ctr">
+            <a:lvl2pPr marL="457200" indent="0" algn="ctr">
               <a:buNone/>
               <a:defRPr>
                 <a:solidFill>
@@ -191,7 +191,7 @@
                 </a:solidFill>
               </a:defRPr>
             </a:lvl2pPr>
-            <a:lvl3pPr marL="914294" indent="0" algn="ctr">
+            <a:lvl3pPr marL="914400" indent="0" algn="ctr">
               <a:buNone/>
               <a:defRPr>
                 <a:solidFill>
@@ -201,7 +201,7 @@
                 </a:solidFill>
               </a:defRPr>
             </a:lvl3pPr>
-            <a:lvl4pPr marL="1371441" indent="0" algn="ctr">
+            <a:lvl4pPr marL="1371600" indent="0" algn="ctr">
               <a:buNone/>
               <a:defRPr>
                 <a:solidFill>
@@ -211,7 +211,7 @@
                 </a:solidFill>
               </a:defRPr>
             </a:lvl4pPr>
-            <a:lvl5pPr marL="1828588" indent="0" algn="ctr">
+            <a:lvl5pPr marL="1828800" indent="0" algn="ctr">
               <a:buNone/>
               <a:defRPr>
                 <a:solidFill>
@@ -221,7 +221,7 @@
                 </a:solidFill>
               </a:defRPr>
             </a:lvl5pPr>
-            <a:lvl6pPr marL="2285735" indent="0" algn="ctr">
+            <a:lvl6pPr marL="2286000" indent="0" algn="ctr">
               <a:buNone/>
               <a:defRPr>
                 <a:solidFill>
@@ -231,7 +231,7 @@
                 </a:solidFill>
               </a:defRPr>
             </a:lvl6pPr>
-            <a:lvl7pPr marL="2742882" indent="0" algn="ctr">
+            <a:lvl7pPr marL="2743200" indent="0" algn="ctr">
               <a:buNone/>
               <a:defRPr>
                 <a:solidFill>
@@ -241,7 +241,7 @@
                 </a:solidFill>
               </a:defRPr>
             </a:lvl7pPr>
-            <a:lvl8pPr marL="3200030" indent="0" algn="ctr">
+            <a:lvl8pPr marL="3200400" indent="0" algn="ctr">
               <a:buNone/>
               <a:defRPr>
                 <a:solidFill>
@@ -251,7 +251,7 @@
                 </a:solidFill>
               </a:defRPr>
             </a:lvl8pPr>
-            <a:lvl9pPr marL="3657177" indent="0" algn="ctr">
+            <a:lvl9pPr marL="3657600" indent="0" algn="ctr">
               <a:buNone/>
               <a:defRPr>
                 <a:solidFill>
@@ -286,10 +286,9 @@
           <a:bodyPr/>
           <a:lstStyle/>
           <a:p>
-            <a:fld id="{C39189AC-FF60-42B1-B893-21726F7CE377}" type="datetimeFigureOut">
-              <a:rPr lang="de-DE" smtClean="0"/>
-              <a:pPr/>
-              <a:t>08.07.2008</a:t>
+            <a:fld id="{F43DF622-C6BB-4055-9558-DC67B5837427}" type="datetimeFigureOut">
+              <a:rPr lang="de-CH" smtClean="0"/>
+              <a:t>11.01.2012</a:t>
             </a:fld>
             <a:endParaRPr lang="de-CH"/>
           </a:p>
@@ -329,9 +328,8 @@
           <a:bodyPr/>
           <a:lstStyle/>
           <a:p>
-            <a:fld id="{8C437A83-332C-41FC-8823-481B9CC15330}" type="slidenum">
+            <a:fld id="{954659EA-0301-45C4-8EDE-83527342D11A}" type="slidenum">
               <a:rPr lang="de-CH" smtClean="0"/>
-              <a:pPr/>
               <a:t>‹#›</a:t>
             </a:fld>
             <a:endParaRPr lang="de-CH"/>
@@ -339,6 +337,11 @@
         </p:txBody>
       </p:sp>
     </p:spTree>
+    <p:extLst>
+      <p:ext uri="{BB962C8B-B14F-4D97-AF65-F5344CB8AC3E}">
+        <p14:creationId xmlns:p14="http://schemas.microsoft.com/office/powerpoint/2010/main" val="588935849"/>
+      </p:ext>
+    </p:extLst>
   </p:cSld>
   <p:clrMapOvr>
     <a:masterClrMapping/>
@@ -453,10 +456,9 @@
           <a:bodyPr/>
           <a:lstStyle/>
           <a:p>
-            <a:fld id="{C39189AC-FF60-42B1-B893-21726F7CE377}" type="datetimeFigureOut">
-              <a:rPr lang="de-DE" smtClean="0"/>
-              <a:pPr/>
-              <a:t>08.07.2008</a:t>
+            <a:fld id="{F43DF622-C6BB-4055-9558-DC67B5837427}" type="datetimeFigureOut">
+              <a:rPr lang="de-CH" smtClean="0"/>
+              <a:t>11.01.2012</a:t>
             </a:fld>
             <a:endParaRPr lang="de-CH"/>
           </a:p>
@@ -496,9 +498,8 @@
           <a:bodyPr/>
           <a:lstStyle/>
           <a:p>
-            <a:fld id="{8C437A83-332C-41FC-8823-481B9CC15330}" type="slidenum">
+            <a:fld id="{954659EA-0301-45C4-8EDE-83527342D11A}" type="slidenum">
               <a:rPr lang="de-CH" smtClean="0"/>
-              <a:pPr/>
               <a:t>‹#›</a:t>
             </a:fld>
             <a:endParaRPr lang="de-CH"/>
@@ -506,6 +507,11 @@
         </p:txBody>
       </p:sp>
     </p:spTree>
+    <p:extLst>
+      <p:ext uri="{BB962C8B-B14F-4D97-AF65-F5344CB8AC3E}">
+        <p14:creationId xmlns:p14="http://schemas.microsoft.com/office/powerpoint/2010/main" val="509151140"/>
+      </p:ext>
+    </p:extLst>
   </p:cSld>
   <p:clrMapOvr>
     <a:masterClrMapping/>
@@ -542,8 +548,8 @@
         </p:nvSpPr>
         <p:spPr>
           <a:xfrm>
-            <a:off x="6629399" y="274638"/>
-            <a:ext cx="2057400" cy="5851526"/>
+            <a:off x="6629400" y="274638"/>
+            <a:ext cx="2057400" cy="5851525"/>
           </a:xfrm>
         </p:spPr>
         <p:txBody>
@@ -570,8 +576,8 @@
         </p:nvSpPr>
         <p:spPr>
           <a:xfrm>
-            <a:off x="457201" y="274638"/>
-            <a:ext cx="6019799" cy="5851526"/>
+            <a:off x="457200" y="274638"/>
+            <a:ext cx="6019800" cy="5851525"/>
           </a:xfrm>
         </p:spPr>
         <p:txBody>
@@ -630,10 +636,9 @@
           <a:bodyPr/>
           <a:lstStyle/>
           <a:p>
-            <a:fld id="{C39189AC-FF60-42B1-B893-21726F7CE377}" type="datetimeFigureOut">
-              <a:rPr lang="de-DE" smtClean="0"/>
-              <a:pPr/>
-              <a:t>08.07.2008</a:t>
+            <a:fld id="{F43DF622-C6BB-4055-9558-DC67B5837427}" type="datetimeFigureOut">
+              <a:rPr lang="de-CH" smtClean="0"/>
+              <a:t>11.01.2012</a:t>
             </a:fld>
             <a:endParaRPr lang="de-CH"/>
           </a:p>
@@ -673,9 +678,8 @@
           <a:bodyPr/>
           <a:lstStyle/>
           <a:p>
-            <a:fld id="{8C437A83-332C-41FC-8823-481B9CC15330}" type="slidenum">
+            <a:fld id="{954659EA-0301-45C4-8EDE-83527342D11A}" type="slidenum">
               <a:rPr lang="de-CH" smtClean="0"/>
-              <a:pPr/>
               <a:t>‹#›</a:t>
             </a:fld>
             <a:endParaRPr lang="de-CH"/>
@@ -683,6 +687,11 @@
         </p:txBody>
       </p:sp>
     </p:spTree>
+    <p:extLst>
+      <p:ext uri="{BB962C8B-B14F-4D97-AF65-F5344CB8AC3E}">
+        <p14:creationId xmlns:p14="http://schemas.microsoft.com/office/powerpoint/2010/main" val="3784817057"/>
+      </p:ext>
+    </p:extLst>
   </p:cSld>
   <p:clrMapOvr>
     <a:masterClrMapping/>
@@ -797,10 +806,9 @@
           <a:bodyPr/>
           <a:lstStyle/>
           <a:p>
-            <a:fld id="{C39189AC-FF60-42B1-B893-21726F7CE377}" type="datetimeFigureOut">
-              <a:rPr lang="de-DE" smtClean="0"/>
-              <a:pPr/>
-              <a:t>08.07.2008</a:t>
+            <a:fld id="{F43DF622-C6BB-4055-9558-DC67B5837427}" type="datetimeFigureOut">
+              <a:rPr lang="de-CH" smtClean="0"/>
+              <a:t>11.01.2012</a:t>
             </a:fld>
             <a:endParaRPr lang="de-CH"/>
           </a:p>
@@ -840,9 +848,8 @@
           <a:bodyPr/>
           <a:lstStyle/>
           <a:p>
-            <a:fld id="{8C437A83-332C-41FC-8823-481B9CC15330}" type="slidenum">
+            <a:fld id="{954659EA-0301-45C4-8EDE-83527342D11A}" type="slidenum">
               <a:rPr lang="de-CH" smtClean="0"/>
-              <a:pPr/>
               <a:t>‹#›</a:t>
             </a:fld>
             <a:endParaRPr lang="de-CH"/>
@@ -850,6 +857,11 @@
         </p:txBody>
       </p:sp>
     </p:spTree>
+    <p:extLst>
+      <p:ext uri="{BB962C8B-B14F-4D97-AF65-F5344CB8AC3E}">
+        <p14:creationId xmlns:p14="http://schemas.microsoft.com/office/powerpoint/2010/main" val="806917021"/>
+      </p:ext>
+    </p:extLst>
   </p:cSld>
   <p:clrMapOvr>
     <a:masterClrMapping/>
@@ -886,8 +898,8 @@
         </p:nvSpPr>
         <p:spPr>
           <a:xfrm>
-            <a:off x="722313" y="4406903"/>
-            <a:ext cx="7772400" cy="1362074"/>
+            <a:off x="722313" y="4406900"/>
+            <a:ext cx="7772400" cy="1362075"/>
           </a:xfrm>
         </p:spPr>
         <p:txBody>
@@ -918,7 +930,7 @@
         </p:nvSpPr>
         <p:spPr>
           <a:xfrm>
-            <a:off x="722313" y="2906715"/>
+            <a:off x="722313" y="2906713"/>
             <a:ext cx="7772400" cy="1500187"/>
           </a:xfrm>
         </p:spPr>
@@ -935,7 +947,7 @@
                 </a:solidFill>
               </a:defRPr>
             </a:lvl1pPr>
-            <a:lvl2pPr marL="457147" indent="0">
+            <a:lvl2pPr marL="457200" indent="0">
               <a:buNone/>
               <a:defRPr sz="1800">
                 <a:solidFill>
@@ -945,7 +957,7 @@
                 </a:solidFill>
               </a:defRPr>
             </a:lvl2pPr>
-            <a:lvl3pPr marL="914294" indent="0">
+            <a:lvl3pPr marL="914400" indent="0">
               <a:buNone/>
               <a:defRPr sz="1600">
                 <a:solidFill>
@@ -955,9 +967,9 @@
                 </a:solidFill>
               </a:defRPr>
             </a:lvl3pPr>
-            <a:lvl4pPr marL="1371441" indent="0">
-              <a:buNone/>
-              <a:defRPr sz="1500">
+            <a:lvl4pPr marL="1371600" indent="0">
+              <a:buNone/>
+              <a:defRPr sz="1400">
                 <a:solidFill>
                   <a:schemeClr val="tx1">
                     <a:tint val="75000"/>
@@ -965,9 +977,9 @@
                 </a:solidFill>
               </a:defRPr>
             </a:lvl4pPr>
-            <a:lvl5pPr marL="1828588" indent="0">
-              <a:buNone/>
-              <a:defRPr sz="1500">
+            <a:lvl5pPr marL="1828800" indent="0">
+              <a:buNone/>
+              <a:defRPr sz="1400">
                 <a:solidFill>
                   <a:schemeClr val="tx1">
                     <a:tint val="75000"/>
@@ -975,9 +987,9 @@
                 </a:solidFill>
               </a:defRPr>
             </a:lvl5pPr>
-            <a:lvl6pPr marL="2285735" indent="0">
-              <a:buNone/>
-              <a:defRPr sz="1500">
+            <a:lvl6pPr marL="2286000" indent="0">
+              <a:buNone/>
+              <a:defRPr sz="1400">
                 <a:solidFill>
                   <a:schemeClr val="tx1">
                     <a:tint val="75000"/>
@@ -985,9 +997,9 @@
                 </a:solidFill>
               </a:defRPr>
             </a:lvl6pPr>
-            <a:lvl7pPr marL="2742882" indent="0">
-              <a:buNone/>
-              <a:defRPr sz="1500">
+            <a:lvl7pPr marL="2743200" indent="0">
+              <a:buNone/>
+              <a:defRPr sz="1400">
                 <a:solidFill>
                   <a:schemeClr val="tx1">
                     <a:tint val="75000"/>
@@ -995,9 +1007,9 @@
                 </a:solidFill>
               </a:defRPr>
             </a:lvl7pPr>
-            <a:lvl8pPr marL="3200030" indent="0">
-              <a:buNone/>
-              <a:defRPr sz="1500">
+            <a:lvl8pPr marL="3200400" indent="0">
+              <a:buNone/>
+              <a:defRPr sz="1400">
                 <a:solidFill>
                   <a:schemeClr val="tx1">
                     <a:tint val="75000"/>
@@ -1005,9 +1017,9 @@
                 </a:solidFill>
               </a:defRPr>
             </a:lvl8pPr>
-            <a:lvl9pPr marL="3657177" indent="0">
-              <a:buNone/>
-              <a:defRPr sz="1500">
+            <a:lvl9pPr marL="3657600" indent="0">
+              <a:buNone/>
+              <a:defRPr sz="1400">
                 <a:solidFill>
                   <a:schemeClr val="tx1">
                     <a:tint val="75000"/>
@@ -1040,10 +1052,9 @@
           <a:bodyPr/>
           <a:lstStyle/>
           <a:p>
-            <a:fld id="{C39189AC-FF60-42B1-B893-21726F7CE377}" type="datetimeFigureOut">
-              <a:rPr lang="de-DE" smtClean="0"/>
-              <a:pPr/>
-              <a:t>08.07.2008</a:t>
+            <a:fld id="{F43DF622-C6BB-4055-9558-DC67B5837427}" type="datetimeFigureOut">
+              <a:rPr lang="de-CH" smtClean="0"/>
+              <a:t>11.01.2012</a:t>
             </a:fld>
             <a:endParaRPr lang="de-CH"/>
           </a:p>
@@ -1083,9 +1094,8 @@
           <a:bodyPr/>
           <a:lstStyle/>
           <a:p>
-            <a:fld id="{8C437A83-332C-41FC-8823-481B9CC15330}" type="slidenum">
+            <a:fld id="{954659EA-0301-45C4-8EDE-83527342D11A}" type="slidenum">
               <a:rPr lang="de-CH" smtClean="0"/>
-              <a:pPr/>
               <a:t>‹#›</a:t>
             </a:fld>
             <a:endParaRPr lang="de-CH"/>
@@ -1093,6 +1103,11 @@
         </p:txBody>
       </p:sp>
     </p:spTree>
+    <p:extLst>
+      <p:ext uri="{BB962C8B-B14F-4D97-AF65-F5344CB8AC3E}">
+        <p14:creationId xmlns:p14="http://schemas.microsoft.com/office/powerpoint/2010/main" val="2814208086"/>
+      </p:ext>
+    </p:extLst>
   </p:cSld>
   <p:clrMapOvr>
     <a:masterClrMapping/>
@@ -1163,7 +1178,7 @@
               <a:defRPr sz="2800"/>
             </a:lvl1pPr>
             <a:lvl2pPr>
-              <a:defRPr sz="2500"/>
+              <a:defRPr sz="2400"/>
             </a:lvl2pPr>
             <a:lvl3pPr>
               <a:defRPr sz="2000"/>
@@ -1248,7 +1263,7 @@
               <a:defRPr sz="2800"/>
             </a:lvl1pPr>
             <a:lvl2pPr>
-              <a:defRPr sz="2500"/>
+              <a:defRPr sz="2400"/>
             </a:lvl2pPr>
             <a:lvl3pPr>
               <a:defRPr sz="2000"/>
@@ -1325,10 +1340,9 @@
           <a:bodyPr/>
           <a:lstStyle/>
           <a:p>
-            <a:fld id="{C39189AC-FF60-42B1-B893-21726F7CE377}" type="datetimeFigureOut">
-              <a:rPr lang="de-DE" smtClean="0"/>
-              <a:pPr/>
-              <a:t>08.07.2008</a:t>
+            <a:fld id="{F43DF622-C6BB-4055-9558-DC67B5837427}" type="datetimeFigureOut">
+              <a:rPr lang="de-CH" smtClean="0"/>
+              <a:t>11.01.2012</a:t>
             </a:fld>
             <a:endParaRPr lang="de-CH"/>
           </a:p>
@@ -1368,9 +1382,8 @@
           <a:bodyPr/>
           <a:lstStyle/>
           <a:p>
-            <a:fld id="{8C437A83-332C-41FC-8823-481B9CC15330}" type="slidenum">
+            <a:fld id="{954659EA-0301-45C4-8EDE-83527342D11A}" type="slidenum">
               <a:rPr lang="de-CH" smtClean="0"/>
-              <a:pPr/>
               <a:t>‹#›</a:t>
             </a:fld>
             <a:endParaRPr lang="de-CH"/>
@@ -1378,6 +1391,11 @@
         </p:txBody>
       </p:sp>
     </p:spTree>
+    <p:extLst>
+      <p:ext uri="{BB962C8B-B14F-4D97-AF65-F5344CB8AC3E}">
+        <p14:creationId xmlns:p14="http://schemas.microsoft.com/office/powerpoint/2010/main" val="3982146690"/>
+      </p:ext>
+    </p:extLst>
   </p:cSld>
   <p:clrMapOvr>
     <a:masterClrMapping/>
@@ -1450,37 +1468,37 @@
           <a:lstStyle>
             <a:lvl1pPr marL="0" indent="0">
               <a:buNone/>
-              <a:defRPr sz="2500" b="1"/>
+              <a:defRPr sz="2400" b="1"/>
             </a:lvl1pPr>
-            <a:lvl2pPr marL="457147" indent="0">
+            <a:lvl2pPr marL="457200" indent="0">
               <a:buNone/>
               <a:defRPr sz="2000" b="1"/>
             </a:lvl2pPr>
-            <a:lvl3pPr marL="914294" indent="0">
+            <a:lvl3pPr marL="914400" indent="0">
               <a:buNone/>
               <a:defRPr sz="1800" b="1"/>
             </a:lvl3pPr>
-            <a:lvl4pPr marL="1371441" indent="0">
+            <a:lvl4pPr marL="1371600" indent="0">
               <a:buNone/>
               <a:defRPr sz="1600" b="1"/>
             </a:lvl4pPr>
-            <a:lvl5pPr marL="1828588" indent="0">
+            <a:lvl5pPr marL="1828800" indent="0">
               <a:buNone/>
               <a:defRPr sz="1600" b="1"/>
             </a:lvl5pPr>
-            <a:lvl6pPr marL="2285735" indent="0">
+            <a:lvl6pPr marL="2286000" indent="0">
               <a:buNone/>
               <a:defRPr sz="1600" b="1"/>
             </a:lvl6pPr>
-            <a:lvl7pPr marL="2742882" indent="0">
+            <a:lvl7pPr marL="2743200" indent="0">
               <a:buNone/>
               <a:defRPr sz="1600" b="1"/>
             </a:lvl7pPr>
-            <a:lvl8pPr marL="3200030" indent="0">
+            <a:lvl8pPr marL="3200400" indent="0">
               <a:buNone/>
               <a:defRPr sz="1600" b="1"/>
             </a:lvl8pPr>
-            <a:lvl9pPr marL="3657177" indent="0">
+            <a:lvl9pPr marL="3657600" indent="0">
               <a:buNone/>
               <a:defRPr sz="1600" b="1"/>
             </a:lvl9pPr>
@@ -1506,7 +1524,7 @@
         </p:nvSpPr>
         <p:spPr>
           <a:xfrm>
-            <a:off x="457200" y="2174876"/>
+            <a:off x="457200" y="2174875"/>
             <a:ext cx="4040188" cy="3951288"/>
           </a:xfrm>
         </p:spPr>
@@ -1514,7 +1532,7 @@
           <a:bodyPr/>
           <a:lstStyle>
             <a:lvl1pPr>
-              <a:defRPr sz="2500"/>
+              <a:defRPr sz="2400"/>
             </a:lvl1pPr>
             <a:lvl2pPr>
               <a:defRPr sz="2000"/>
@@ -1591,8 +1609,8 @@
         </p:nvSpPr>
         <p:spPr>
           <a:xfrm>
-            <a:off x="4645026" y="1535113"/>
-            <a:ext cx="4041774" cy="639762"/>
+            <a:off x="4645025" y="1535113"/>
+            <a:ext cx="4041775" cy="639762"/>
           </a:xfrm>
         </p:spPr>
         <p:txBody>
@@ -1600,37 +1618,37 @@
           <a:lstStyle>
             <a:lvl1pPr marL="0" indent="0">
               <a:buNone/>
-              <a:defRPr sz="2500" b="1"/>
+              <a:defRPr sz="2400" b="1"/>
             </a:lvl1pPr>
-            <a:lvl2pPr marL="457147" indent="0">
+            <a:lvl2pPr marL="457200" indent="0">
               <a:buNone/>
               <a:defRPr sz="2000" b="1"/>
             </a:lvl2pPr>
-            <a:lvl3pPr marL="914294" indent="0">
+            <a:lvl3pPr marL="914400" indent="0">
               <a:buNone/>
               <a:defRPr sz="1800" b="1"/>
             </a:lvl3pPr>
-            <a:lvl4pPr marL="1371441" indent="0">
+            <a:lvl4pPr marL="1371600" indent="0">
               <a:buNone/>
               <a:defRPr sz="1600" b="1"/>
             </a:lvl4pPr>
-            <a:lvl5pPr marL="1828588" indent="0">
+            <a:lvl5pPr marL="1828800" indent="0">
               <a:buNone/>
               <a:defRPr sz="1600" b="1"/>
             </a:lvl5pPr>
-            <a:lvl6pPr marL="2285735" indent="0">
+            <a:lvl6pPr marL="2286000" indent="0">
               <a:buNone/>
               <a:defRPr sz="1600" b="1"/>
             </a:lvl6pPr>
-            <a:lvl7pPr marL="2742882" indent="0">
+            <a:lvl7pPr marL="2743200" indent="0">
               <a:buNone/>
               <a:defRPr sz="1600" b="1"/>
             </a:lvl7pPr>
-            <a:lvl8pPr marL="3200030" indent="0">
+            <a:lvl8pPr marL="3200400" indent="0">
               <a:buNone/>
               <a:defRPr sz="1600" b="1"/>
             </a:lvl8pPr>
-            <a:lvl9pPr marL="3657177" indent="0">
+            <a:lvl9pPr marL="3657600" indent="0">
               <a:buNone/>
               <a:defRPr sz="1600" b="1"/>
             </a:lvl9pPr>
@@ -1656,15 +1674,15 @@
         </p:nvSpPr>
         <p:spPr>
           <a:xfrm>
-            <a:off x="4645026" y="2174876"/>
-            <a:ext cx="4041774" cy="3951288"/>
+            <a:off x="4645025" y="2174875"/>
+            <a:ext cx="4041775" cy="3951288"/>
           </a:xfrm>
         </p:spPr>
         <p:txBody>
           <a:bodyPr/>
           <a:lstStyle>
             <a:lvl1pPr>
-              <a:defRPr sz="2500"/>
+              <a:defRPr sz="2400"/>
             </a:lvl1pPr>
             <a:lvl2pPr>
               <a:defRPr sz="2000"/>
@@ -1744,10 +1762,9 @@
           <a:bodyPr/>
           <a:lstStyle/>
           <a:p>
-            <a:fld id="{C39189AC-FF60-42B1-B893-21726F7CE377}" type="datetimeFigureOut">
-              <a:rPr lang="de-DE" smtClean="0"/>
-              <a:pPr/>
-              <a:t>08.07.2008</a:t>
+            <a:fld id="{F43DF622-C6BB-4055-9558-DC67B5837427}" type="datetimeFigureOut">
+              <a:rPr lang="de-CH" smtClean="0"/>
+              <a:t>11.01.2012</a:t>
             </a:fld>
             <a:endParaRPr lang="de-CH"/>
           </a:p>
@@ -1787,9 +1804,8 @@
           <a:bodyPr/>
           <a:lstStyle/>
           <a:p>
-            <a:fld id="{8C437A83-332C-41FC-8823-481B9CC15330}" type="slidenum">
+            <a:fld id="{954659EA-0301-45C4-8EDE-83527342D11A}" type="slidenum">
               <a:rPr lang="de-CH" smtClean="0"/>
-              <a:pPr/>
               <a:t>‹#›</a:t>
             </a:fld>
             <a:endParaRPr lang="de-CH"/>
@@ -1797,6 +1813,11 @@
         </p:txBody>
       </p:sp>
     </p:spTree>
+    <p:extLst>
+      <p:ext uri="{BB962C8B-B14F-4D97-AF65-F5344CB8AC3E}">
+        <p14:creationId xmlns:p14="http://schemas.microsoft.com/office/powerpoint/2010/main" val="4070313527"/>
+      </p:ext>
+    </p:extLst>
   </p:cSld>
   <p:clrMapOvr>
     <a:masterClrMapping/>
@@ -1859,10 +1880,9 @@
           <a:bodyPr/>
           <a:lstStyle/>
           <a:p>
-            <a:fld id="{C39189AC-FF60-42B1-B893-21726F7CE377}" type="datetimeFigureOut">
-              <a:rPr lang="de-DE" smtClean="0"/>
-              <a:pPr/>
-              <a:t>08.07.2008</a:t>
+            <a:fld id="{F43DF622-C6BB-4055-9558-DC67B5837427}" type="datetimeFigureOut">
+              <a:rPr lang="de-CH" smtClean="0"/>
+              <a:t>11.01.2012</a:t>
             </a:fld>
             <a:endParaRPr lang="de-CH"/>
           </a:p>
@@ -1902,9 +1922,8 @@
           <a:bodyPr/>
           <a:lstStyle/>
           <a:p>
-            <a:fld id="{8C437A83-332C-41FC-8823-481B9CC15330}" type="slidenum">
+            <a:fld id="{954659EA-0301-45C4-8EDE-83527342D11A}" type="slidenum">
               <a:rPr lang="de-CH" smtClean="0"/>
-              <a:pPr/>
               <a:t>‹#›</a:t>
             </a:fld>
             <a:endParaRPr lang="de-CH"/>
@@ -1912,6 +1931,11 @@
         </p:txBody>
       </p:sp>
     </p:spTree>
+    <p:extLst>
+      <p:ext uri="{BB962C8B-B14F-4D97-AF65-F5344CB8AC3E}">
+        <p14:creationId xmlns:p14="http://schemas.microsoft.com/office/powerpoint/2010/main" val="587082470"/>
+      </p:ext>
+    </p:extLst>
   </p:cSld>
   <p:clrMapOvr>
     <a:masterClrMapping/>
@@ -1951,10 +1975,9 @@
           <a:bodyPr/>
           <a:lstStyle/>
           <a:p>
-            <a:fld id="{C39189AC-FF60-42B1-B893-21726F7CE377}" type="datetimeFigureOut">
-              <a:rPr lang="de-DE" smtClean="0"/>
-              <a:pPr/>
-              <a:t>08.07.2008</a:t>
+            <a:fld id="{F43DF622-C6BB-4055-9558-DC67B5837427}" type="datetimeFigureOut">
+              <a:rPr lang="de-CH" smtClean="0"/>
+              <a:t>11.01.2012</a:t>
             </a:fld>
             <a:endParaRPr lang="de-CH"/>
           </a:p>
@@ -1994,9 +2017,8 @@
           <a:bodyPr/>
           <a:lstStyle/>
           <a:p>
-            <a:fld id="{8C437A83-332C-41FC-8823-481B9CC15330}" type="slidenum">
+            <a:fld id="{954659EA-0301-45C4-8EDE-83527342D11A}" type="slidenum">
               <a:rPr lang="de-CH" smtClean="0"/>
-              <a:pPr/>
               <a:t>‹#›</a:t>
             </a:fld>
             <a:endParaRPr lang="de-CH"/>
@@ -2004,6 +2026,11 @@
         </p:txBody>
       </p:sp>
     </p:spTree>
+    <p:extLst>
+      <p:ext uri="{BB962C8B-B14F-4D97-AF65-F5344CB8AC3E}">
+        <p14:creationId xmlns:p14="http://schemas.microsoft.com/office/powerpoint/2010/main" val="3412024946"/>
+      </p:ext>
+    </p:extLst>
   </p:cSld>
   <p:clrMapOvr>
     <a:masterClrMapping/>
@@ -2040,7 +2067,7 @@
         </p:nvSpPr>
         <p:spPr>
           <a:xfrm>
-            <a:off x="457201" y="273051"/>
+            <a:off x="457200" y="273050"/>
             <a:ext cx="3008313" cy="1162050"/>
           </a:xfrm>
         </p:spPr>
@@ -2072,21 +2099,21 @@
         </p:nvSpPr>
         <p:spPr>
           <a:xfrm>
-            <a:off x="3575051" y="273051"/>
-            <a:ext cx="5111749" cy="5853113"/>
+            <a:off x="3575050" y="273050"/>
+            <a:ext cx="5111750" cy="5853113"/>
           </a:xfrm>
         </p:spPr>
         <p:txBody>
           <a:bodyPr/>
           <a:lstStyle>
             <a:lvl1pPr>
-              <a:defRPr sz="3100"/>
+              <a:defRPr sz="3200"/>
             </a:lvl1pPr>
             <a:lvl2pPr>
               <a:defRPr sz="2800"/>
             </a:lvl2pPr>
             <a:lvl3pPr>
-              <a:defRPr sz="2500"/>
+              <a:defRPr sz="2400"/>
             </a:lvl3pPr>
             <a:lvl4pPr>
               <a:defRPr sz="2000"/>
@@ -2157,7 +2184,7 @@
         </p:nvSpPr>
         <p:spPr>
           <a:xfrm>
-            <a:off x="457201" y="1435100"/>
+            <a:off x="457200" y="1435100"/>
             <a:ext cx="3008313" cy="4691063"/>
           </a:xfrm>
         </p:spPr>
@@ -2166,39 +2193,39 @@
           <a:lstStyle>
             <a:lvl1pPr marL="0" indent="0">
               <a:buNone/>
-              <a:defRPr sz="1500"/>
+              <a:defRPr sz="1400"/>
             </a:lvl1pPr>
-            <a:lvl2pPr marL="457147" indent="0">
+            <a:lvl2pPr marL="457200" indent="0">
               <a:buNone/>
               <a:defRPr sz="1200"/>
             </a:lvl2pPr>
-            <a:lvl3pPr marL="914294" indent="0">
+            <a:lvl3pPr marL="914400" indent="0">
               <a:buNone/>
               <a:defRPr sz="1000"/>
             </a:lvl3pPr>
-            <a:lvl4pPr marL="1371441" indent="0">
-              <a:buNone/>
-              <a:defRPr sz="800"/>
+            <a:lvl4pPr marL="1371600" indent="0">
+              <a:buNone/>
+              <a:defRPr sz="900"/>
             </a:lvl4pPr>
-            <a:lvl5pPr marL="1828588" indent="0">
-              <a:buNone/>
-              <a:defRPr sz="800"/>
+            <a:lvl5pPr marL="1828800" indent="0">
+              <a:buNone/>
+              <a:defRPr sz="900"/>
             </a:lvl5pPr>
-            <a:lvl6pPr marL="2285735" indent="0">
-              <a:buNone/>
-              <a:defRPr sz="800"/>
+            <a:lvl6pPr marL="2286000" indent="0">
+              <a:buNone/>
+              <a:defRPr sz="900"/>
             </a:lvl6pPr>
-            <a:lvl7pPr marL="2742882" indent="0">
-              <a:buNone/>
-              <a:defRPr sz="800"/>
+            <a:lvl7pPr marL="2743200" indent="0">
+              <a:buNone/>
+              <a:defRPr sz="900"/>
             </a:lvl7pPr>
-            <a:lvl8pPr marL="3200030" indent="0">
-              <a:buNone/>
-              <a:defRPr sz="800"/>
+            <a:lvl8pPr marL="3200400" indent="0">
+              <a:buNone/>
+              <a:defRPr sz="900"/>
             </a:lvl8pPr>
-            <a:lvl9pPr marL="3657177" indent="0">
-              <a:buNone/>
-              <a:defRPr sz="800"/>
+            <a:lvl9pPr marL="3657600" indent="0">
+              <a:buNone/>
+              <a:defRPr sz="900"/>
             </a:lvl9pPr>
           </a:lstStyle>
           <a:p>
@@ -2225,10 +2252,9 @@
           <a:bodyPr/>
           <a:lstStyle/>
           <a:p>
-            <a:fld id="{C39189AC-FF60-42B1-B893-21726F7CE377}" type="datetimeFigureOut">
-              <a:rPr lang="de-DE" smtClean="0"/>
-              <a:pPr/>
-              <a:t>08.07.2008</a:t>
+            <a:fld id="{F43DF622-C6BB-4055-9558-DC67B5837427}" type="datetimeFigureOut">
+              <a:rPr lang="de-CH" smtClean="0"/>
+              <a:t>11.01.2012</a:t>
             </a:fld>
             <a:endParaRPr lang="de-CH"/>
           </a:p>
@@ -2268,9 +2294,8 @@
           <a:bodyPr/>
           <a:lstStyle/>
           <a:p>
-            <a:fld id="{8C437A83-332C-41FC-8823-481B9CC15330}" type="slidenum">
+            <a:fld id="{954659EA-0301-45C4-8EDE-83527342D11A}" type="slidenum">
               <a:rPr lang="de-CH" smtClean="0"/>
-              <a:pPr/>
               <a:t>‹#›</a:t>
             </a:fld>
             <a:endParaRPr lang="de-CH"/>
@@ -2278,6 +2303,11 @@
         </p:txBody>
       </p:sp>
     </p:spTree>
+    <p:extLst>
+      <p:ext uri="{BB962C8B-B14F-4D97-AF65-F5344CB8AC3E}">
+        <p14:creationId xmlns:p14="http://schemas.microsoft.com/office/powerpoint/2010/main" val="3924048581"/>
+      </p:ext>
+    </p:extLst>
   </p:cSld>
   <p:clrMapOvr>
     <a:masterClrMapping/>
@@ -2314,8 +2344,8 @@
         </p:nvSpPr>
         <p:spPr>
           <a:xfrm>
-            <a:off x="1792289" y="4800602"/>
-            <a:ext cx="5486400" cy="566737"/>
+            <a:off x="1792288" y="4800600"/>
+            <a:ext cx="5486400" cy="566738"/>
           </a:xfrm>
         </p:spPr>
         <p:txBody>
@@ -2346,7 +2376,7 @@
         </p:nvSpPr>
         <p:spPr>
           <a:xfrm>
-            <a:off x="1792289" y="612776"/>
+            <a:off x="1792288" y="612775"/>
             <a:ext cx="5486400" cy="4114800"/>
           </a:xfrm>
         </p:spPr>
@@ -2355,37 +2385,37 @@
           <a:lstStyle>
             <a:lvl1pPr marL="0" indent="0">
               <a:buNone/>
-              <a:defRPr sz="3100"/>
+              <a:defRPr sz="3200"/>
             </a:lvl1pPr>
-            <a:lvl2pPr marL="457147" indent="0">
+            <a:lvl2pPr marL="457200" indent="0">
               <a:buNone/>
               <a:defRPr sz="2800"/>
             </a:lvl2pPr>
-            <a:lvl3pPr marL="914294" indent="0">
-              <a:buNone/>
-              <a:defRPr sz="2500"/>
+            <a:lvl3pPr marL="914400" indent="0">
+              <a:buNone/>
+              <a:defRPr sz="2400"/>
             </a:lvl3pPr>
-            <a:lvl4pPr marL="1371441" indent="0">
+            <a:lvl4pPr marL="1371600" indent="0">
               <a:buNone/>
               <a:defRPr sz="2000"/>
             </a:lvl4pPr>
-            <a:lvl5pPr marL="1828588" indent="0">
+            <a:lvl5pPr marL="1828800" indent="0">
               <a:buNone/>
               <a:defRPr sz="2000"/>
             </a:lvl5pPr>
-            <a:lvl6pPr marL="2285735" indent="0">
+            <a:lvl6pPr marL="2286000" indent="0">
               <a:buNone/>
               <a:defRPr sz="2000"/>
             </a:lvl6pPr>
-            <a:lvl7pPr marL="2742882" indent="0">
+            <a:lvl7pPr marL="2743200" indent="0">
               <a:buNone/>
               <a:defRPr sz="2000"/>
             </a:lvl7pPr>
-            <a:lvl8pPr marL="3200030" indent="0">
+            <a:lvl8pPr marL="3200400" indent="0">
               <a:buNone/>
               <a:defRPr sz="2000"/>
             </a:lvl8pPr>
-            <a:lvl9pPr marL="3657177" indent="0">
+            <a:lvl9pPr marL="3657600" indent="0">
               <a:buNone/>
               <a:defRPr sz="2000"/>
             </a:lvl9pPr>
@@ -2407,8 +2437,8 @@
         </p:nvSpPr>
         <p:spPr>
           <a:xfrm>
-            <a:off x="1792289" y="5367338"/>
-            <a:ext cx="5486400" cy="804863"/>
+            <a:off x="1792288" y="5367338"/>
+            <a:ext cx="5486400" cy="804862"/>
           </a:xfrm>
         </p:spPr>
         <p:txBody>
@@ -2416,39 +2446,39 @@
           <a:lstStyle>
             <a:lvl1pPr marL="0" indent="0">
               <a:buNone/>
-              <a:defRPr sz="1500"/>
+              <a:defRPr sz="1400"/>
             </a:lvl1pPr>
-            <a:lvl2pPr marL="457147" indent="0">
+            <a:lvl2pPr marL="457200" indent="0">
               <a:buNone/>
               <a:defRPr sz="1200"/>
             </a:lvl2pPr>
-            <a:lvl3pPr marL="914294" indent="0">
+            <a:lvl3pPr marL="914400" indent="0">
               <a:buNone/>
               <a:defRPr sz="1000"/>
             </a:lvl3pPr>
-            <a:lvl4pPr marL="1371441" indent="0">
-              <a:buNone/>
-              <a:defRPr sz="800"/>
+            <a:lvl4pPr marL="1371600" indent="0">
+              <a:buNone/>
+              <a:defRPr sz="900"/>
             </a:lvl4pPr>
-            <a:lvl5pPr marL="1828588" indent="0">
-              <a:buNone/>
-              <a:defRPr sz="800"/>
+            <a:lvl5pPr marL="1828800" indent="0">
+              <a:buNone/>
+              <a:defRPr sz="900"/>
             </a:lvl5pPr>
-            <a:lvl6pPr marL="2285735" indent="0">
-              <a:buNone/>
-              <a:defRPr sz="800"/>
+            <a:lvl6pPr marL="2286000" indent="0">
+              <a:buNone/>
+              <a:defRPr sz="900"/>
             </a:lvl6pPr>
-            <a:lvl7pPr marL="2742882" indent="0">
-              <a:buNone/>
-              <a:defRPr sz="800"/>
+            <a:lvl7pPr marL="2743200" indent="0">
+              <a:buNone/>
+              <a:defRPr sz="900"/>
             </a:lvl7pPr>
-            <a:lvl8pPr marL="3200030" indent="0">
-              <a:buNone/>
-              <a:defRPr sz="800"/>
+            <a:lvl8pPr marL="3200400" indent="0">
+              <a:buNone/>
+              <a:defRPr sz="900"/>
             </a:lvl8pPr>
-            <a:lvl9pPr marL="3657177" indent="0">
-              <a:buNone/>
-              <a:defRPr sz="800"/>
+            <a:lvl9pPr marL="3657600" indent="0">
+              <a:buNone/>
+              <a:defRPr sz="900"/>
             </a:lvl9pPr>
           </a:lstStyle>
           <a:p>
@@ -2475,10 +2505,9 @@
           <a:bodyPr/>
           <a:lstStyle/>
           <a:p>
-            <a:fld id="{C39189AC-FF60-42B1-B893-21726F7CE377}" type="datetimeFigureOut">
-              <a:rPr lang="de-DE" smtClean="0"/>
-              <a:pPr/>
-              <a:t>08.07.2008</a:t>
+            <a:fld id="{F43DF622-C6BB-4055-9558-DC67B5837427}" type="datetimeFigureOut">
+              <a:rPr lang="de-CH" smtClean="0"/>
+              <a:t>11.01.2012</a:t>
             </a:fld>
             <a:endParaRPr lang="de-CH"/>
           </a:p>
@@ -2518,9 +2547,8 @@
           <a:bodyPr/>
           <a:lstStyle/>
           <a:p>
-            <a:fld id="{8C437A83-332C-41FC-8823-481B9CC15330}" type="slidenum">
+            <a:fld id="{954659EA-0301-45C4-8EDE-83527342D11A}" type="slidenum">
               <a:rPr lang="de-CH" smtClean="0"/>
-              <a:pPr/>
               <a:t>‹#›</a:t>
             </a:fld>
             <a:endParaRPr lang="de-CH"/>
@@ -2528,6 +2556,11 @@
         </p:txBody>
       </p:sp>
     </p:spTree>
+    <p:extLst>
+      <p:ext uri="{BB962C8B-B14F-4D97-AF65-F5344CB8AC3E}">
+        <p14:creationId xmlns:p14="http://schemas.microsoft.com/office/powerpoint/2010/main" val="802503013"/>
+      </p:ext>
+    </p:extLst>
   </p:cSld>
   <p:clrMapOvr>
     <a:masterClrMapping/>
@@ -2570,14 +2603,14 @@
         <p:spPr>
           <a:xfrm>
             <a:off x="457200" y="274638"/>
-            <a:ext cx="8229601" cy="1143000"/>
+            <a:ext cx="8229600" cy="1143000"/>
           </a:xfrm>
           <a:prstGeom prst="rect">
             <a:avLst/>
           </a:prstGeom>
         </p:spPr>
         <p:txBody>
-          <a:bodyPr vert="horz" lIns="91430" tIns="45715" rIns="91430" bIns="45715" rtlCol="0" anchor="ctr">
+          <a:bodyPr vert="horz" lIns="91440" tIns="45720" rIns="91440" bIns="45720" rtlCol="0" anchor="ctr">
             <a:normAutofit/>
           </a:bodyPr>
           <a:lstStyle/>
@@ -2603,14 +2636,14 @@
         <p:spPr>
           <a:xfrm>
             <a:off x="457200" y="1600200"/>
-            <a:ext cx="8229601" cy="4525963"/>
+            <a:ext cx="8229600" cy="4525963"/>
           </a:xfrm>
           <a:prstGeom prst="rect">
             <a:avLst/>
           </a:prstGeom>
         </p:spPr>
         <p:txBody>
-          <a:bodyPr vert="horz" lIns="91430" tIns="45715" rIns="91430" bIns="45715" rtlCol="0">
+          <a:bodyPr vert="horz" lIns="91440" tIns="45720" rIns="91440" bIns="45720" rtlCol="0">
             <a:normAutofit/>
           </a:bodyPr>
           <a:lstStyle/>
@@ -2664,15 +2697,15 @@
         </p:nvSpPr>
         <p:spPr>
           <a:xfrm>
-            <a:off x="457200" y="6356351"/>
-            <a:ext cx="2133601" cy="365126"/>
+            <a:off x="457200" y="6356350"/>
+            <a:ext cx="2133600" cy="365125"/>
           </a:xfrm>
           <a:prstGeom prst="rect">
             <a:avLst/>
           </a:prstGeom>
         </p:spPr>
         <p:txBody>
-          <a:bodyPr vert="horz" lIns="91430" tIns="45715" rIns="91430" bIns="45715" rtlCol="0" anchor="ctr"/>
+          <a:bodyPr vert="horz" lIns="91440" tIns="45720" rIns="91440" bIns="45720" rtlCol="0" anchor="ctr"/>
           <a:lstStyle>
             <a:lvl1pPr algn="l">
               <a:defRPr sz="1200">
@@ -2685,10 +2718,9 @@
             </a:lvl1pPr>
           </a:lstStyle>
           <a:p>
-            <a:fld id="{C39189AC-FF60-42B1-B893-21726F7CE377}" type="datetimeFigureOut">
-              <a:rPr lang="de-DE" smtClean="0"/>
-              <a:pPr/>
-              <a:t>08.07.2008</a:t>
+            <a:fld id="{F43DF622-C6BB-4055-9558-DC67B5837427}" type="datetimeFigureOut">
+              <a:rPr lang="de-CH" smtClean="0"/>
+              <a:t>11.01.2012</a:t>
             </a:fld>
             <a:endParaRPr lang="de-CH"/>
           </a:p>
@@ -2706,15 +2738,15 @@
         </p:nvSpPr>
         <p:spPr>
           <a:xfrm>
-            <a:off x="3124201" y="6356351"/>
-            <a:ext cx="2895600" cy="365126"/>
+            <a:off x="3124200" y="6356350"/>
+            <a:ext cx="2895600" cy="365125"/>
           </a:xfrm>
           <a:prstGeom prst="rect">
             <a:avLst/>
           </a:prstGeom>
         </p:spPr>
         <p:txBody>
-          <a:bodyPr vert="horz" lIns="91430" tIns="45715" rIns="91430" bIns="45715" rtlCol="0" anchor="ctr"/>
+          <a:bodyPr vert="horz" lIns="91440" tIns="45720" rIns="91440" bIns="45720" rtlCol="0" anchor="ctr"/>
           <a:lstStyle>
             <a:lvl1pPr algn="ctr">
               <a:defRPr sz="1200">
@@ -2743,15 +2775,15 @@
         </p:nvSpPr>
         <p:spPr>
           <a:xfrm>
-            <a:off x="6553200" y="6356351"/>
-            <a:ext cx="2133601" cy="365126"/>
+            <a:off x="6553200" y="6356350"/>
+            <a:ext cx="2133600" cy="365125"/>
           </a:xfrm>
           <a:prstGeom prst="rect">
             <a:avLst/>
           </a:prstGeom>
         </p:spPr>
         <p:txBody>
-          <a:bodyPr vert="horz" lIns="91430" tIns="45715" rIns="91430" bIns="45715" rtlCol="0" anchor="ctr"/>
+          <a:bodyPr vert="horz" lIns="91440" tIns="45720" rIns="91440" bIns="45720" rtlCol="0" anchor="ctr"/>
           <a:lstStyle>
             <a:lvl1pPr algn="r">
               <a:defRPr sz="1200">
@@ -2764,9 +2796,8 @@
             </a:lvl1pPr>
           </a:lstStyle>
           <a:p>
-            <a:fld id="{8C437A83-332C-41FC-8823-481B9CC15330}" type="slidenum">
+            <a:fld id="{954659EA-0301-45C4-8EDE-83527342D11A}" type="slidenum">
               <a:rPr lang="de-CH" smtClean="0"/>
-              <a:pPr/>
               <a:t>‹#›</a:t>
             </a:fld>
             <a:endParaRPr lang="de-CH"/>
@@ -2774,6 +2805,11 @@
         </p:txBody>
       </p:sp>
     </p:spTree>
+    <p:extLst>
+      <p:ext uri="{BB962C8B-B14F-4D97-AF65-F5344CB8AC3E}">
+        <p14:creationId xmlns:p14="http://schemas.microsoft.com/office/powerpoint/2010/main" val="1194339545"/>
+      </p:ext>
+    </p:extLst>
   </p:cSld>
   <p:clrMap bg1="lt1" tx1="dk1" bg2="lt2" tx2="dk2" accent1="accent1" accent2="accent2" accent3="accent3" accent4="accent4" accent5="accent5" accent6="accent6" hlink="hlink" folHlink="folHlink"/>
   <p:sldLayoutIdLst>
@@ -2791,7 +2827,7 @@
   </p:sldLayoutIdLst>
   <p:txStyles>
     <p:titleStyle>
-      <a:lvl1pPr algn="ctr" defTabSz="914294" rtl="0" eaLnBrk="1" latinLnBrk="0" hangingPunct="1">
+      <a:lvl1pPr algn="ctr" defTabSz="914400" rtl="0" eaLnBrk="1" latinLnBrk="0" hangingPunct="1">
         <a:spcBef>
           <a:spcPct val="0"/>
         </a:spcBef>
@@ -2807,13 +2843,13 @@
       </a:lvl1pPr>
     </p:titleStyle>
     <p:bodyStyle>
-      <a:lvl1pPr marL="342861" indent="-342861" algn="l" defTabSz="914294" rtl="0" eaLnBrk="1" latinLnBrk="0" hangingPunct="1">
+      <a:lvl1pPr marL="342900" indent="-342900" algn="l" defTabSz="914400" rtl="0" eaLnBrk="1" latinLnBrk="0" hangingPunct="1">
         <a:spcBef>
           <a:spcPct val="20000"/>
         </a:spcBef>
         <a:buFont typeface="Arial" pitchFamily="34" charset="0"/>
         <a:buChar char="•"/>
-        <a:defRPr sz="3100" kern="1200">
+        <a:defRPr sz="3200" kern="1200">
           <a:solidFill>
             <a:schemeClr val="tx1"/>
           </a:solidFill>
@@ -2822,7 +2858,7 @@
           <a:cs typeface="+mn-cs"/>
         </a:defRPr>
       </a:lvl1pPr>
-      <a:lvl2pPr marL="742864" indent="-285717" algn="l" defTabSz="914294" rtl="0" eaLnBrk="1" latinLnBrk="0" hangingPunct="1">
+      <a:lvl2pPr marL="742950" indent="-285750" algn="l" defTabSz="914400" rtl="0" eaLnBrk="1" latinLnBrk="0" hangingPunct="1">
         <a:spcBef>
           <a:spcPct val="20000"/>
         </a:spcBef>
@@ -2837,13 +2873,13 @@
           <a:cs typeface="+mn-cs"/>
         </a:defRPr>
       </a:lvl2pPr>
-      <a:lvl3pPr marL="1142869" indent="-228574" algn="l" defTabSz="914294" rtl="0" eaLnBrk="1" latinLnBrk="0" hangingPunct="1">
+      <a:lvl3pPr marL="1143000" indent="-228600" algn="l" defTabSz="914400" rtl="0" eaLnBrk="1" latinLnBrk="0" hangingPunct="1">
         <a:spcBef>
           <a:spcPct val="20000"/>
         </a:spcBef>
         <a:buFont typeface="Arial" pitchFamily="34" charset="0"/>
         <a:buChar char="•"/>
-        <a:defRPr sz="2500" kern="1200">
+        <a:defRPr sz="2400" kern="1200">
           <a:solidFill>
             <a:schemeClr val="tx1"/>
           </a:solidFill>
@@ -2852,7 +2888,7 @@
           <a:cs typeface="+mn-cs"/>
         </a:defRPr>
       </a:lvl3pPr>
-      <a:lvl4pPr marL="1600016" indent="-228574" algn="l" defTabSz="914294" rtl="0" eaLnBrk="1" latinLnBrk="0" hangingPunct="1">
+      <a:lvl4pPr marL="1600200" indent="-228600" algn="l" defTabSz="914400" rtl="0" eaLnBrk="1" latinLnBrk="0" hangingPunct="1">
         <a:spcBef>
           <a:spcPct val="20000"/>
         </a:spcBef>
@@ -2867,7 +2903,7 @@
           <a:cs typeface="+mn-cs"/>
         </a:defRPr>
       </a:lvl4pPr>
-      <a:lvl5pPr marL="2057163" indent="-228574" algn="l" defTabSz="914294" rtl="0" eaLnBrk="1" latinLnBrk="0" hangingPunct="1">
+      <a:lvl5pPr marL="2057400" indent="-228600" algn="l" defTabSz="914400" rtl="0" eaLnBrk="1" latinLnBrk="0" hangingPunct="1">
         <a:spcBef>
           <a:spcPct val="20000"/>
         </a:spcBef>
@@ -2882,7 +2918,7 @@
           <a:cs typeface="+mn-cs"/>
         </a:defRPr>
       </a:lvl5pPr>
-      <a:lvl6pPr marL="2514310" indent="-228574" algn="l" defTabSz="914294" rtl="0" eaLnBrk="1" latinLnBrk="0" hangingPunct="1">
+      <a:lvl6pPr marL="2514600" indent="-228600" algn="l" defTabSz="914400" rtl="0" eaLnBrk="1" latinLnBrk="0" hangingPunct="1">
         <a:spcBef>
           <a:spcPct val="20000"/>
         </a:spcBef>
@@ -2897,7 +2933,7 @@
           <a:cs typeface="+mn-cs"/>
         </a:defRPr>
       </a:lvl6pPr>
-      <a:lvl7pPr marL="2971457" indent="-228574" algn="l" defTabSz="914294" rtl="0" eaLnBrk="1" latinLnBrk="0" hangingPunct="1">
+      <a:lvl7pPr marL="2971800" indent="-228600" algn="l" defTabSz="914400" rtl="0" eaLnBrk="1" latinLnBrk="0" hangingPunct="1">
         <a:spcBef>
           <a:spcPct val="20000"/>
         </a:spcBef>
@@ -2912,7 +2948,7 @@
           <a:cs typeface="+mn-cs"/>
         </a:defRPr>
       </a:lvl7pPr>
-      <a:lvl8pPr marL="3428604" indent="-228574" algn="l" defTabSz="914294" rtl="0" eaLnBrk="1" latinLnBrk="0" hangingPunct="1">
+      <a:lvl8pPr marL="3429000" indent="-228600" algn="l" defTabSz="914400" rtl="0" eaLnBrk="1" latinLnBrk="0" hangingPunct="1">
         <a:spcBef>
           <a:spcPct val="20000"/>
         </a:spcBef>
@@ -2927,7 +2963,7 @@
           <a:cs typeface="+mn-cs"/>
         </a:defRPr>
       </a:lvl8pPr>
-      <a:lvl9pPr marL="3885751" indent="-228574" algn="l" defTabSz="914294" rtl="0" eaLnBrk="1" latinLnBrk="0" hangingPunct="1">
+      <a:lvl9pPr marL="3886200" indent="-228600" algn="l" defTabSz="914400" rtl="0" eaLnBrk="1" latinLnBrk="0" hangingPunct="1">
         <a:spcBef>
           <a:spcPct val="20000"/>
         </a:spcBef>
@@ -2947,7 +2983,7 @@
       <a:defPPr>
         <a:defRPr lang="de-DE"/>
       </a:defPPr>
-      <a:lvl1pPr marL="0" algn="l" defTabSz="914294" rtl="0" eaLnBrk="1" latinLnBrk="0" hangingPunct="1">
+      <a:lvl1pPr marL="0" algn="l" defTabSz="914400" rtl="0" eaLnBrk="1" latinLnBrk="0" hangingPunct="1">
         <a:defRPr sz="1800" kern="1200">
           <a:solidFill>
             <a:schemeClr val="tx1"/>
@@ -2957,7 +2993,7 @@
           <a:cs typeface="+mn-cs"/>
         </a:defRPr>
       </a:lvl1pPr>
-      <a:lvl2pPr marL="457147" algn="l" defTabSz="914294" rtl="0" eaLnBrk="1" latinLnBrk="0" hangingPunct="1">
+      <a:lvl2pPr marL="457200" algn="l" defTabSz="914400" rtl="0" eaLnBrk="1" latinLnBrk="0" hangingPunct="1">
         <a:defRPr sz="1800" kern="1200">
           <a:solidFill>
             <a:schemeClr val="tx1"/>
@@ -2967,7 +3003,7 @@
           <a:cs typeface="+mn-cs"/>
         </a:defRPr>
       </a:lvl2pPr>
-      <a:lvl3pPr marL="914294" algn="l" defTabSz="914294" rtl="0" eaLnBrk="1" latinLnBrk="0" hangingPunct="1">
+      <a:lvl3pPr marL="914400" algn="l" defTabSz="914400" rtl="0" eaLnBrk="1" latinLnBrk="0" hangingPunct="1">
         <a:defRPr sz="1800" kern="1200">
           <a:solidFill>
             <a:schemeClr val="tx1"/>
@@ -2977,7 +3013,7 @@
           <a:cs typeface="+mn-cs"/>
         </a:defRPr>
       </a:lvl3pPr>
-      <a:lvl4pPr marL="1371441" algn="l" defTabSz="914294" rtl="0" eaLnBrk="1" latinLnBrk="0" hangingPunct="1">
+      <a:lvl4pPr marL="1371600" algn="l" defTabSz="914400" rtl="0" eaLnBrk="1" latinLnBrk="0" hangingPunct="1">
         <a:defRPr sz="1800" kern="1200">
           <a:solidFill>
             <a:schemeClr val="tx1"/>
@@ -2987,7 +3023,7 @@
           <a:cs typeface="+mn-cs"/>
         </a:defRPr>
       </a:lvl4pPr>
-      <a:lvl5pPr marL="1828588" algn="l" defTabSz="914294" rtl="0" eaLnBrk="1" latinLnBrk="0" hangingPunct="1">
+      <a:lvl5pPr marL="1828800" algn="l" defTabSz="914400" rtl="0" eaLnBrk="1" latinLnBrk="0" hangingPunct="1">
         <a:defRPr sz="1800" kern="1200">
           <a:solidFill>
             <a:schemeClr val="tx1"/>
@@ -2997,7 +3033,7 @@
           <a:cs typeface="+mn-cs"/>
         </a:defRPr>
       </a:lvl5pPr>
-      <a:lvl6pPr marL="2285735" algn="l" defTabSz="914294" rtl="0" eaLnBrk="1" latinLnBrk="0" hangingPunct="1">
+      <a:lvl6pPr marL="2286000" algn="l" defTabSz="914400" rtl="0" eaLnBrk="1" latinLnBrk="0" hangingPunct="1">
         <a:defRPr sz="1800" kern="1200">
           <a:solidFill>
             <a:schemeClr val="tx1"/>
@@ -3007,7 +3043,7 @@
           <a:cs typeface="+mn-cs"/>
         </a:defRPr>
       </a:lvl6pPr>
-      <a:lvl7pPr marL="2742882" algn="l" defTabSz="914294" rtl="0" eaLnBrk="1" latinLnBrk="0" hangingPunct="1">
+      <a:lvl7pPr marL="2743200" algn="l" defTabSz="914400" rtl="0" eaLnBrk="1" latinLnBrk="0" hangingPunct="1">
         <a:defRPr sz="1800" kern="1200">
           <a:solidFill>
             <a:schemeClr val="tx1"/>
@@ -3017,7 +3053,7 @@
           <a:cs typeface="+mn-cs"/>
         </a:defRPr>
       </a:lvl7pPr>
-      <a:lvl8pPr marL="3200030" algn="l" defTabSz="914294" rtl="0" eaLnBrk="1" latinLnBrk="0" hangingPunct="1">
+      <a:lvl8pPr marL="3200400" algn="l" defTabSz="914400" rtl="0" eaLnBrk="1" latinLnBrk="0" hangingPunct="1">
         <a:defRPr sz="1800" kern="1200">
           <a:solidFill>
             <a:schemeClr val="tx1"/>
@@ -3027,7 +3063,7 @@
           <a:cs typeface="+mn-cs"/>
         </a:defRPr>
       </a:lvl8pPr>
-      <a:lvl9pPr marL="3657177" algn="l" defTabSz="914294" rtl="0" eaLnBrk="1" latinLnBrk="0" hangingPunct="1">
+      <a:lvl9pPr marL="3657600" algn="l" defTabSz="914400" rtl="0" eaLnBrk="1" latinLnBrk="0" hangingPunct="1">
         <a:defRPr sz="1800" kern="1200">
           <a:solidFill>
             <a:schemeClr val="tx1"/>
@@ -3067,8 +3103,8 @@
         </p:nvSpPr>
         <p:spPr>
           <a:xfrm>
-            <a:off x="214282" y="214290"/>
-            <a:ext cx="5429288" cy="3571899"/>
+            <a:off x="251520" y="332656"/>
+            <a:ext cx="7272808" cy="4320480"/>
           </a:xfrm>
           <a:prstGeom prst="rect">
             <a:avLst/>
@@ -3091,13 +3127,12 @@
           </a:fontRef>
         </p:style>
         <p:txBody>
-          <a:bodyPr lIns="91430" tIns="45715" rIns="91430" bIns="45715" rtlCol="0" anchor="t" anchorCtr="0"/>
-          <a:lstStyle/>
-          <a:p>
-            <a:pPr algn="ctr"/>
-            <a:r>
-              <a:rPr lang="de-CH" dirty="0" smtClean="0"/>
-              <a:t>Java VM</a:t>
+          <a:bodyPr rtlCol="0" anchor="t" anchorCtr="0"/>
+          <a:lstStyle/>
+          <a:p>
+            <a:r>
+              <a:rPr lang="de-CH" dirty="0" err="1" smtClean="0"/>
+              <a:t>Process</a:t>
             </a:r>
             <a:endParaRPr lang="de-CH" dirty="0"/>
           </a:p>
@@ -3105,14 +3140,14 @@
       </p:sp>
       <p:sp>
         <p:nvSpPr>
-          <p:cNvPr id="11" name="Rectangle 10"/>
+          <p:cNvPr id="5" name="Rectangle 4"/>
           <p:cNvSpPr/>
           <p:nvPr/>
         </p:nvSpPr>
         <p:spPr>
           <a:xfrm>
-            <a:off x="3071802" y="642918"/>
-            <a:ext cx="2286016" cy="2928958"/>
+            <a:off x="611560" y="764704"/>
+            <a:ext cx="3024336" cy="3744416"/>
           </a:xfrm>
           <a:prstGeom prst="rect">
             <a:avLst/>
@@ -3135,12 +3170,12 @@
           </a:fontRef>
         </p:style>
         <p:txBody>
-          <a:bodyPr lIns="91430" tIns="45715" rIns="91430" bIns="45715" rtlCol="0" anchor="t" anchorCtr="0"/>
+          <a:bodyPr rtlCol="0" anchor="t" anchorCtr="0"/>
           <a:lstStyle/>
           <a:p>
             <a:r>
               <a:rPr lang="de-CH" dirty="0" smtClean="0"/>
-              <a:t>Native</a:t>
+              <a:t>Java</a:t>
             </a:r>
             <a:endParaRPr lang="de-CH" dirty="0"/>
           </a:p>
@@ -3148,56 +3183,14 @@
       </p:sp>
       <p:sp>
         <p:nvSpPr>
-          <p:cNvPr id="5" name="Rectangle 4"/>
+          <p:cNvPr id="6" name="Rectangle 5"/>
           <p:cNvSpPr/>
           <p:nvPr/>
         </p:nvSpPr>
         <p:spPr>
           <a:xfrm>
-            <a:off x="3214678" y="3071810"/>
-            <a:ext cx="2000264" cy="357190"/>
-          </a:xfrm>
-          <a:prstGeom prst="rect">
-            <a:avLst/>
-          </a:prstGeom>
-        </p:spPr>
-        <p:style>
-          <a:lnRef idx="0">
-            <a:schemeClr val="accent5"/>
-          </a:lnRef>
-          <a:fillRef idx="3">
-            <a:schemeClr val="accent5"/>
-          </a:fillRef>
-          <a:effectRef idx="3">
-            <a:schemeClr val="accent5"/>
-          </a:effectRef>
-          <a:fontRef idx="minor">
-            <a:schemeClr val="lt1"/>
-          </a:fontRef>
-        </p:style>
-        <p:txBody>
-          <a:bodyPr lIns="91430" tIns="45715" rIns="91430" bIns="45715" rtlCol="0" anchor="ctr" anchorCtr="0"/>
-          <a:lstStyle/>
-          <a:p>
-            <a:pPr algn="ctr"/>
-            <a:r>
-              <a:rPr lang="de-CH" sz="1600" dirty="0" err="1" smtClean="0"/>
-              <a:t>Lua</a:t>
-            </a:r>
-            <a:endParaRPr lang="de-CH" sz="1600" dirty="0"/>
-          </a:p>
-        </p:txBody>
-      </p:sp>
-      <p:sp>
-        <p:nvSpPr>
-          <p:cNvPr id="10" name="Rectangle 9"/>
-          <p:cNvSpPr/>
-          <p:nvPr/>
-        </p:nvSpPr>
-        <p:spPr>
-          <a:xfrm>
-            <a:off x="500034" y="642918"/>
-            <a:ext cx="2286016" cy="2928958"/>
+            <a:off x="4139952" y="764704"/>
+            <a:ext cx="3024336" cy="3744416"/>
           </a:xfrm>
           <a:prstGeom prst="rect">
             <a:avLst/>
@@ -3220,12 +3213,12 @@
           </a:fontRef>
         </p:style>
         <p:txBody>
-          <a:bodyPr lIns="91430" tIns="45715" rIns="91430" bIns="45715" rtlCol="0" anchor="t" anchorCtr="0"/>
+          <a:bodyPr rtlCol="0" anchor="t" anchorCtr="0"/>
           <a:lstStyle/>
           <a:p>
             <a:r>
               <a:rPr lang="de-CH" dirty="0" smtClean="0"/>
-              <a:t>Java</a:t>
+              <a:t>Lua/Native</a:t>
             </a:r>
             <a:endParaRPr lang="de-CH" dirty="0"/>
           </a:p>
@@ -3233,14 +3226,14 @@
       </p:sp>
       <p:sp>
         <p:nvSpPr>
-          <p:cNvPr id="12" name="Rectangle 11"/>
+          <p:cNvPr id="13" name="Rectangle 12"/>
           <p:cNvSpPr/>
           <p:nvPr/>
         </p:nvSpPr>
         <p:spPr>
           <a:xfrm>
-            <a:off x="357158" y="1643050"/>
-            <a:ext cx="5143536" cy="1000132"/>
+            <a:off x="467544" y="1988840"/>
+            <a:ext cx="6840760" cy="2376264"/>
           </a:xfrm>
           <a:prstGeom prst="rect">
             <a:avLst/>
@@ -3263,14 +3256,14 @@
           </a:fontRef>
         </p:style>
         <p:txBody>
-          <a:bodyPr lIns="91430" tIns="45715" rIns="91430" bIns="45715" rtlCol="0" anchor="t" anchorCtr="0"/>
-          <a:lstStyle/>
-          <a:p>
-            <a:r>
-              <a:rPr lang="de-CH" smtClean="0"/>
+          <a:bodyPr rtlCol="0" anchor="t" anchorCtr="0"/>
+          <a:lstStyle/>
+          <a:p>
+            <a:r>
+              <a:rPr lang="de-CH" dirty="0" err="1" smtClean="0"/>
               <a:t>JNLua</a:t>
             </a:r>
-            <a:endParaRPr lang="de-CH" dirty="0" smtClean="0"/>
+            <a:endParaRPr lang="de-CH" dirty="0"/>
           </a:p>
         </p:txBody>
       </p:sp>
@@ -3282,21 +3275,23 @@
         </p:nvSpPr>
         <p:spPr>
           <a:xfrm>
-            <a:off x="3214678" y="2071678"/>
-            <a:ext cx="2000264" cy="357190"/>
+            <a:off x="4327160" y="1268760"/>
+            <a:ext cx="2520000" cy="504000"/>
           </a:xfrm>
           <a:prstGeom prst="rect">
             <a:avLst/>
           </a:prstGeom>
         </p:spPr>
         <p:style>
-          <a:lnRef idx="0">
-            <a:schemeClr val="accent5"/>
+          <a:lnRef idx="2">
+            <a:schemeClr val="accent5">
+              <a:shade val="50000"/>
+            </a:schemeClr>
           </a:lnRef>
-          <a:fillRef idx="3">
+          <a:fillRef idx="1">
             <a:schemeClr val="accent5"/>
           </a:fillRef>
-          <a:effectRef idx="3">
+          <a:effectRef idx="0">
             <a:schemeClr val="accent5"/>
           </a:effectRef>
           <a:fontRef idx="minor">
@@ -3304,19 +3299,15 @@
           </a:fontRef>
         </p:style>
         <p:txBody>
-          <a:bodyPr lIns="91430" tIns="45715" rIns="91430" bIns="45715" rtlCol="0" anchor="ctr" anchorCtr="0"/>
+          <a:bodyPr rtlCol="0" anchor="ctr"/>
           <a:lstStyle/>
           <a:p>
             <a:pPr algn="ctr"/>
             <a:r>
-              <a:rPr lang="de-CH" sz="1600" dirty="0" err="1" smtClean="0"/>
-              <a:t>JNLua</a:t>
-            </a:r>
-            <a:r>
-              <a:rPr lang="de-CH" sz="1600" dirty="0" smtClean="0"/>
-              <a:t> Native Library</a:t>
-            </a:r>
-            <a:endParaRPr lang="de-CH" sz="1600" dirty="0"/>
+              <a:rPr lang="de-CH" dirty="0" smtClean="0"/>
+              <a:t>Lua Code</a:t>
+            </a:r>
+            <a:endParaRPr lang="de-CH" dirty="0"/>
           </a:p>
         </p:txBody>
       </p:sp>
@@ -3328,21 +3319,23 @@
         </p:nvSpPr>
         <p:spPr>
           <a:xfrm>
-            <a:off x="642910" y="2071678"/>
-            <a:ext cx="2000264" cy="357190"/>
+            <a:off x="791580" y="1268760"/>
+            <a:ext cx="2520000" cy="504000"/>
           </a:xfrm>
           <a:prstGeom prst="rect">
             <a:avLst/>
           </a:prstGeom>
         </p:spPr>
         <p:style>
-          <a:lnRef idx="0">
-            <a:schemeClr val="accent5"/>
+          <a:lnRef idx="2">
+            <a:schemeClr val="accent5">
+              <a:shade val="50000"/>
+            </a:schemeClr>
           </a:lnRef>
-          <a:fillRef idx="3">
+          <a:fillRef idx="1">
             <a:schemeClr val="accent5"/>
           </a:fillRef>
-          <a:effectRef idx="3">
+          <a:effectRef idx="0">
             <a:schemeClr val="accent5"/>
           </a:effectRef>
           <a:fontRef idx="minor">
@@ -3350,19 +3343,15 @@
           </a:fontRef>
         </p:style>
         <p:txBody>
-          <a:bodyPr lIns="91430" tIns="45715" rIns="91430" bIns="45715" rtlCol="0" anchor="ctr" anchorCtr="0"/>
+          <a:bodyPr rtlCol="0" anchor="ctr"/>
           <a:lstStyle/>
           <a:p>
             <a:pPr algn="ctr"/>
             <a:r>
-              <a:rPr lang="de-CH" sz="1600" dirty="0" err="1" smtClean="0"/>
-              <a:t>JNLua</a:t>
-            </a:r>
-            <a:r>
-              <a:rPr lang="de-CH" sz="1600" dirty="0" smtClean="0"/>
-              <a:t> Java Library</a:t>
-            </a:r>
-            <a:endParaRPr lang="de-CH" sz="1600" dirty="0"/>
+              <a:rPr lang="de-CH" dirty="0" smtClean="0"/>
+              <a:t>Java Code</a:t>
+            </a:r>
+            <a:endParaRPr lang="de-CH" dirty="0"/>
           </a:p>
         </p:txBody>
       </p:sp>
@@ -3374,21 +3363,23 @@
         </p:nvSpPr>
         <p:spPr>
           <a:xfrm>
-            <a:off x="642910" y="1071546"/>
-            <a:ext cx="2000264" cy="357190"/>
+            <a:off x="791580" y="2420888"/>
+            <a:ext cx="2520000" cy="504000"/>
           </a:xfrm>
           <a:prstGeom prst="rect">
             <a:avLst/>
           </a:prstGeom>
         </p:spPr>
         <p:style>
-          <a:lnRef idx="0">
-            <a:schemeClr val="accent5"/>
+          <a:lnRef idx="2">
+            <a:schemeClr val="accent5">
+              <a:shade val="50000"/>
+            </a:schemeClr>
           </a:lnRef>
-          <a:fillRef idx="3">
+          <a:fillRef idx="1">
             <a:schemeClr val="accent5"/>
           </a:fillRef>
-          <a:effectRef idx="3">
+          <a:effectRef idx="0">
             <a:schemeClr val="accent5"/>
           </a:effectRef>
           <a:fontRef idx="minor">
@@ -3396,136 +3387,172 @@
           </a:fontRef>
         </p:style>
         <p:txBody>
-          <a:bodyPr lIns="91430" tIns="45715" rIns="91430" bIns="45715" rtlCol="0" anchor="ctr" anchorCtr="0"/>
+          <a:bodyPr rtlCol="0" anchor="ctr"/>
           <a:lstStyle/>
           <a:p>
             <a:pPr algn="ctr"/>
             <a:r>
-              <a:rPr lang="de-CH" sz="1600" dirty="0" smtClean="0"/>
-              <a:t>Client</a:t>
-            </a:r>
-            <a:endParaRPr lang="de-CH" sz="1600" dirty="0"/>
-          </a:p>
-        </p:txBody>
-      </p:sp>
-      <p:cxnSp>
-        <p:nvCxnSpPr>
-          <p:cNvPr id="13" name="Elbow Connector 12"/>
-          <p:cNvCxnSpPr>
-            <a:stCxn id="9" idx="2"/>
-            <a:endCxn id="8" idx="0"/>
-          </p:cNvCxnSpPr>
+              <a:rPr lang="de-CH" dirty="0" err="1" smtClean="0"/>
+              <a:t>JNLua</a:t>
+            </a:r>
+            <a:r>
+              <a:rPr lang="de-CH" dirty="0" smtClean="0"/>
+              <a:t> Java Library</a:t>
+            </a:r>
+            <a:endParaRPr lang="de-CH" dirty="0"/>
+          </a:p>
+        </p:txBody>
+      </p:sp>
+      <p:sp>
+        <p:nvSpPr>
+          <p:cNvPr id="10" name="Rectangle 9"/>
+          <p:cNvSpPr/>
           <p:nvPr/>
-        </p:nvCxnSpPr>
+        </p:nvSpPr>
         <p:spPr>
-          <a:xfrm rot="5400000">
-            <a:off x="1321571" y="1750207"/>
-            <a:ext cx="642942" cy="1588"/>
+          <a:xfrm>
+            <a:off x="4328309" y="2420944"/>
+            <a:ext cx="2520001" cy="504000"/>
           </a:xfrm>
-          <a:prstGeom prst="bentConnector3">
-            <a:avLst>
-              <a:gd name="adj1" fmla="val 50000"/>
-            </a:avLst>
+          <a:prstGeom prst="rect">
+            <a:avLst/>
           </a:prstGeom>
-          <a:ln>
-            <a:headEnd type="arrow"/>
-            <a:tailEnd type="arrow"/>
-          </a:ln>
         </p:spPr>
         <p:style>
-          <a:lnRef idx="3">
-            <a:schemeClr val="accent6"/>
+          <a:lnRef idx="2">
+            <a:schemeClr val="accent5">
+              <a:shade val="50000"/>
+            </a:schemeClr>
           </a:lnRef>
-          <a:fillRef idx="0">
-            <a:schemeClr val="accent6"/>
+          <a:fillRef idx="1">
+            <a:schemeClr val="accent5"/>
           </a:fillRef>
-          <a:effectRef idx="2">
-            <a:schemeClr val="accent6"/>
+          <a:effectRef idx="0">
+            <a:schemeClr val="accent5"/>
           </a:effectRef>
           <a:fontRef idx="minor">
-            <a:schemeClr val="tx1"/>
+            <a:schemeClr val="lt1"/>
           </a:fontRef>
         </p:style>
-      </p:cxnSp>
-      <p:cxnSp>
-        <p:nvCxnSpPr>
-          <p:cNvPr id="15" name="Elbow Connector 14"/>
-          <p:cNvCxnSpPr>
-            <a:stCxn id="8" idx="3"/>
-            <a:endCxn id="7" idx="1"/>
-          </p:cNvCxnSpPr>
+        <p:txBody>
+          <a:bodyPr rtlCol="0" anchor="ctr"/>
+          <a:lstStyle/>
+          <a:p>
+            <a:pPr algn="ctr"/>
+            <a:r>
+              <a:rPr lang="de-CH" dirty="0" err="1" smtClean="0"/>
+              <a:t>JNLua</a:t>
+            </a:r>
+            <a:r>
+              <a:rPr lang="de-CH" dirty="0" smtClean="0"/>
+              <a:t> Native Library</a:t>
+            </a:r>
+            <a:endParaRPr lang="de-CH" dirty="0"/>
+          </a:p>
+        </p:txBody>
+      </p:sp>
+      <p:sp>
+        <p:nvSpPr>
+          <p:cNvPr id="11" name="Rectangle 10"/>
+          <p:cNvSpPr/>
           <p:nvPr/>
-        </p:nvCxnSpPr>
+        </p:nvSpPr>
         <p:spPr>
           <a:xfrm>
-            <a:off x="2643174" y="2250273"/>
-            <a:ext cx="571504" cy="1588"/>
+            <a:off x="4328309" y="3717088"/>
+            <a:ext cx="2520000" cy="504000"/>
           </a:xfrm>
-          <a:prstGeom prst="bentConnector3">
-            <a:avLst>
-              <a:gd name="adj1" fmla="val 50000"/>
-            </a:avLst>
+          <a:prstGeom prst="rect">
+            <a:avLst/>
           </a:prstGeom>
-          <a:ln>
-            <a:headEnd type="arrow"/>
-            <a:tailEnd type="arrow"/>
-          </a:ln>
         </p:spPr>
         <p:style>
-          <a:lnRef idx="3">
-            <a:schemeClr val="accent6"/>
+          <a:lnRef idx="2">
+            <a:schemeClr val="accent5">
+              <a:shade val="50000"/>
+            </a:schemeClr>
           </a:lnRef>
-          <a:fillRef idx="0">
-            <a:schemeClr val="accent6"/>
+          <a:fillRef idx="1">
+            <a:schemeClr val="accent5"/>
           </a:fillRef>
-          <a:effectRef idx="2">
-            <a:schemeClr val="accent6"/>
+          <a:effectRef idx="0">
+            <a:schemeClr val="accent5"/>
           </a:effectRef>
           <a:fontRef idx="minor">
-            <a:schemeClr val="tx1"/>
+            <a:schemeClr val="lt1"/>
           </a:fontRef>
         </p:style>
-      </p:cxnSp>
-      <p:cxnSp>
-        <p:nvCxnSpPr>
-          <p:cNvPr id="17" name="Elbow Connector 16"/>
-          <p:cNvCxnSpPr>
-            <a:stCxn id="7" idx="2"/>
-            <a:endCxn id="5" idx="0"/>
-          </p:cNvCxnSpPr>
+        <p:txBody>
+          <a:bodyPr rtlCol="0" anchor="ctr"/>
+          <a:lstStyle/>
+          <a:p>
+            <a:pPr algn="ctr"/>
+            <a:r>
+              <a:rPr lang="de-CH" dirty="0" err="1" smtClean="0"/>
+              <a:t>JNLua</a:t>
+            </a:r>
+            <a:r>
+              <a:rPr lang="de-CH" dirty="0" smtClean="0"/>
+              <a:t> Java VM Module</a:t>
+            </a:r>
+            <a:endParaRPr lang="de-CH" dirty="0"/>
+          </a:p>
+        </p:txBody>
+      </p:sp>
+      <p:sp>
+        <p:nvSpPr>
+          <p:cNvPr id="12" name="Rectangle 11"/>
+          <p:cNvSpPr/>
           <p:nvPr/>
-        </p:nvCxnSpPr>
+        </p:nvSpPr>
         <p:spPr>
-          <a:xfrm rot="5400000">
-            <a:off x="3893339" y="2750339"/>
-            <a:ext cx="642942" cy="1588"/>
+          <a:xfrm>
+            <a:off x="4328308" y="3069016"/>
+            <a:ext cx="2520000" cy="504000"/>
           </a:xfrm>
-          <a:prstGeom prst="bentConnector3">
-            <a:avLst>
-              <a:gd name="adj1" fmla="val 50000"/>
-            </a:avLst>
+          <a:prstGeom prst="rect">
+            <a:avLst/>
           </a:prstGeom>
-          <a:ln>
-            <a:headEnd type="arrow"/>
-            <a:tailEnd type="arrow"/>
-          </a:ln>
         </p:spPr>
         <p:style>
-          <a:lnRef idx="3">
-            <a:schemeClr val="accent6"/>
+          <a:lnRef idx="2">
+            <a:schemeClr val="accent5">
+              <a:shade val="50000"/>
+            </a:schemeClr>
           </a:lnRef>
-          <a:fillRef idx="0">
-            <a:schemeClr val="accent6"/>
+          <a:fillRef idx="1">
+            <a:schemeClr val="accent5"/>
           </a:fillRef>
-          <a:effectRef idx="2">
-            <a:schemeClr val="accent6"/>
+          <a:effectRef idx="0">
+            <a:schemeClr val="accent5"/>
           </a:effectRef>
           <a:fontRef idx="minor">
-            <a:schemeClr val="tx1"/>
+            <a:schemeClr val="lt1"/>
           </a:fontRef>
         </p:style>
-      </p:cxnSp>
+        <p:txBody>
+          <a:bodyPr rtlCol="0" anchor="ctr"/>
+          <a:lstStyle/>
+          <a:p>
+            <a:pPr algn="ctr"/>
+            <a:r>
+              <a:rPr lang="de-CH" dirty="0" err="1" smtClean="0"/>
+              <a:t>JNLua</a:t>
+            </a:r>
+            <a:r>
+              <a:rPr lang="de-CH" dirty="0" smtClean="0"/>
+              <a:t> Java Module</a:t>
+            </a:r>
+            <a:endParaRPr lang="de-CH" dirty="0"/>
+          </a:p>
+        </p:txBody>
+      </p:sp>
     </p:spTree>
+    <p:extLst>
+      <p:ext uri="{BB962C8B-B14F-4D97-AF65-F5344CB8AC3E}">
+        <p14:creationId xmlns:p14="http://schemas.microsoft.com/office/powerpoint/2010/main" val="3387020657"/>
+      </p:ext>
+    </p:extLst>
   </p:cSld>
   <p:clrMapOvr>
     <a:masterClrMapping/>
@@ -3608,6 +3635,7 @@
         <a:font script="Mong" typeface="Mongolian Baiti"/>
         <a:font script="Viet" typeface="Times New Roman"/>
         <a:font script="Uigh" typeface="Microsoft Uighur"/>
+        <a:font script="Geor" typeface="Sylfaen"/>
       </a:majorFont>
       <a:minorFont>
         <a:latin typeface="Calibri"/>
@@ -3642,6 +3670,7 @@
         <a:font script="Mong" typeface="Mongolian Baiti"/>
         <a:font script="Viet" typeface="Arial"/>
         <a:font script="Uigh" typeface="Microsoft Uighur"/>
+        <a:font script="Geor" typeface="Sylfaen"/>
       </a:minorFont>
     </a:fontScheme>
     <a:fmtScheme name="Office">
